--- a/제주도 지역.pptx
+++ b/제주도 지역.pptx
@@ -104,6 +104,11 @@
       </a:defRPr>
     </a:lvl9pPr>
   </p:defaultTextStyle>
+  <p:extLst>
+    <p:ext uri="{EFAFB233-063F-42B5-8137-9DF3F51BA10A}">
+      <p15:sldGuideLst xmlns:p15="http://schemas.microsoft.com/office/powerpoint/2012/main"/>
+    </p:ext>
+  </p:extLst>
 </p:presentation>
 </file>
 
@@ -3609,6 +3614,285 @@
           </a:p>
         </p:txBody>
       </p:sp>
+      <p:sp>
+        <p:nvSpPr>
+          <p:cNvPr id="2" name="타원 1">
+            <a:extLst>
+              <a:ext uri="{FF2B5EF4-FFF2-40B4-BE49-F238E27FC236}">
+                <a16:creationId xmlns:a16="http://schemas.microsoft.com/office/drawing/2014/main" id="{851FFA50-8A1B-41C4-853F-09B116F92882}"/>
+              </a:ext>
+            </a:extLst>
+          </p:cNvPr>
+          <p:cNvSpPr/>
+          <p:nvPr/>
+        </p:nvSpPr>
+        <p:spPr>
+          <a:xfrm>
+            <a:off x="2827090" y="2021747"/>
+            <a:ext cx="4236440" cy="1407253"/>
+          </a:xfrm>
+          <a:prstGeom prst="ellipse">
+            <a:avLst/>
+          </a:prstGeom>
+          <a:solidFill>
+            <a:schemeClr val="accent1">
+              <a:alpha val="50000"/>
+            </a:schemeClr>
+          </a:solidFill>
+        </p:spPr>
+        <p:style>
+          <a:lnRef idx="2">
+            <a:schemeClr val="accent1">
+              <a:shade val="50000"/>
+            </a:schemeClr>
+          </a:lnRef>
+          <a:fillRef idx="1">
+            <a:schemeClr val="accent1"/>
+          </a:fillRef>
+          <a:effectRef idx="0">
+            <a:schemeClr val="accent1"/>
+          </a:effectRef>
+          <a:fontRef idx="minor">
+            <a:schemeClr val="lt1"/>
+          </a:fontRef>
+        </p:style>
+        <p:txBody>
+          <a:bodyPr rtlCol="0" anchor="ctr"/>
+          <a:lstStyle/>
+          <a:p>
+            <a:pPr algn="ctr"/>
+            <a:endParaRPr lang="ko-KR" altLang="en-US" dirty="0"/>
+          </a:p>
+        </p:txBody>
+      </p:sp>
+      <p:sp>
+        <p:nvSpPr>
+          <p:cNvPr id="7" name="타원 6">
+            <a:extLst>
+              <a:ext uri="{FF2B5EF4-FFF2-40B4-BE49-F238E27FC236}">
+                <a16:creationId xmlns:a16="http://schemas.microsoft.com/office/drawing/2014/main" id="{53F14B9F-BC55-4149-9BE4-1311DC826009}"/>
+              </a:ext>
+            </a:extLst>
+          </p:cNvPr>
+          <p:cNvSpPr/>
+          <p:nvPr/>
+        </p:nvSpPr>
+        <p:spPr>
+          <a:xfrm>
+            <a:off x="3548657" y="3812446"/>
+            <a:ext cx="4236440" cy="1407253"/>
+          </a:xfrm>
+          <a:prstGeom prst="ellipse">
+            <a:avLst/>
+          </a:prstGeom>
+          <a:solidFill>
+            <a:schemeClr val="accent1">
+              <a:alpha val="50000"/>
+            </a:schemeClr>
+          </a:solidFill>
+        </p:spPr>
+        <p:style>
+          <a:lnRef idx="2">
+            <a:schemeClr val="accent1">
+              <a:shade val="50000"/>
+            </a:schemeClr>
+          </a:lnRef>
+          <a:fillRef idx="1">
+            <a:schemeClr val="accent1"/>
+          </a:fillRef>
+          <a:effectRef idx="0">
+            <a:schemeClr val="accent1"/>
+          </a:effectRef>
+          <a:fontRef idx="minor">
+            <a:schemeClr val="lt1"/>
+          </a:fontRef>
+        </p:style>
+        <p:txBody>
+          <a:bodyPr rtlCol="0" anchor="ctr"/>
+          <a:lstStyle/>
+          <a:p>
+            <a:pPr algn="ctr"/>
+            <a:endParaRPr lang="ko-KR" altLang="en-US" dirty="0"/>
+          </a:p>
+        </p:txBody>
+      </p:sp>
+      <p:sp>
+        <p:nvSpPr>
+          <p:cNvPr id="8" name="타원 7">
+            <a:extLst>
+              <a:ext uri="{FF2B5EF4-FFF2-40B4-BE49-F238E27FC236}">
+                <a16:creationId xmlns:a16="http://schemas.microsoft.com/office/drawing/2014/main" id="{487476B8-88E0-4E0B-9A81-3DED4D551D41}"/>
+              </a:ext>
+            </a:extLst>
+          </p:cNvPr>
+          <p:cNvSpPr/>
+          <p:nvPr/>
+        </p:nvSpPr>
+        <p:spPr>
+          <a:xfrm>
+            <a:off x="7063530" y="1782148"/>
+            <a:ext cx="2173776" cy="2416628"/>
+          </a:xfrm>
+          <a:prstGeom prst="ellipse">
+            <a:avLst/>
+          </a:prstGeom>
+          <a:solidFill>
+            <a:schemeClr val="accent1">
+              <a:alpha val="50000"/>
+            </a:schemeClr>
+          </a:solidFill>
+        </p:spPr>
+        <p:style>
+          <a:lnRef idx="2">
+            <a:schemeClr val="accent1">
+              <a:shade val="50000"/>
+            </a:schemeClr>
+          </a:lnRef>
+          <a:fillRef idx="1">
+            <a:schemeClr val="accent1"/>
+          </a:fillRef>
+          <a:effectRef idx="0">
+            <a:schemeClr val="accent1"/>
+          </a:effectRef>
+          <a:fontRef idx="minor">
+            <a:schemeClr val="lt1"/>
+          </a:fontRef>
+        </p:style>
+        <p:txBody>
+          <a:bodyPr rtlCol="0" anchor="ctr"/>
+          <a:lstStyle/>
+          <a:p>
+            <a:pPr algn="ctr"/>
+            <a:endParaRPr lang="ko-KR" altLang="en-US" dirty="0"/>
+          </a:p>
+        </p:txBody>
+      </p:sp>
+      <p:sp>
+        <p:nvSpPr>
+          <p:cNvPr id="9" name="타원 8">
+            <a:extLst>
+              <a:ext uri="{FF2B5EF4-FFF2-40B4-BE49-F238E27FC236}">
+                <a16:creationId xmlns:a16="http://schemas.microsoft.com/office/drawing/2014/main" id="{FA205E8A-B962-42A4-9C4E-D4B033B374E7}"/>
+              </a:ext>
+            </a:extLst>
+          </p:cNvPr>
+          <p:cNvSpPr/>
+          <p:nvPr/>
+        </p:nvSpPr>
+        <p:spPr>
+          <a:xfrm>
+            <a:off x="1617562" y="3153747"/>
+            <a:ext cx="2173776" cy="2416627"/>
+          </a:xfrm>
+          <a:prstGeom prst="ellipse">
+            <a:avLst/>
+          </a:prstGeom>
+          <a:solidFill>
+            <a:schemeClr val="accent1">
+              <a:alpha val="50000"/>
+            </a:schemeClr>
+          </a:solidFill>
+        </p:spPr>
+        <p:style>
+          <a:lnRef idx="2">
+            <a:schemeClr val="accent1">
+              <a:shade val="50000"/>
+            </a:schemeClr>
+          </a:lnRef>
+          <a:fillRef idx="1">
+            <a:schemeClr val="accent1"/>
+          </a:fillRef>
+          <a:effectRef idx="0">
+            <a:schemeClr val="accent1"/>
+          </a:effectRef>
+          <a:fontRef idx="minor">
+            <a:schemeClr val="lt1"/>
+          </a:fontRef>
+        </p:style>
+        <p:txBody>
+          <a:bodyPr rtlCol="0" anchor="ctr"/>
+          <a:lstStyle/>
+          <a:p>
+            <a:pPr algn="ctr"/>
+            <a:endParaRPr lang="ko-KR" altLang="en-US" dirty="0"/>
+          </a:p>
+        </p:txBody>
+      </p:sp>
+      <p:sp>
+        <p:nvSpPr>
+          <p:cNvPr id="10" name="TextBox 9">
+            <a:extLst>
+              <a:ext uri="{FF2B5EF4-FFF2-40B4-BE49-F238E27FC236}">
+                <a16:creationId xmlns:a16="http://schemas.microsoft.com/office/drawing/2014/main" id="{2663102E-5CFB-4CF0-9BE9-843D3CA2C0AD}"/>
+              </a:ext>
+            </a:extLst>
+          </p:cNvPr>
+          <p:cNvSpPr txBox="1"/>
+          <p:nvPr/>
+        </p:nvSpPr>
+        <p:spPr>
+          <a:xfrm>
+            <a:off x="2618100" y="420769"/>
+            <a:ext cx="8597296" cy="307777"/>
+          </a:xfrm>
+          <a:prstGeom prst="rect">
+            <a:avLst/>
+          </a:prstGeom>
+          <a:noFill/>
+        </p:spPr>
+        <p:txBody>
+          <a:bodyPr wrap="square">
+            <a:spAutoFit/>
+          </a:bodyPr>
+          <a:lstStyle/>
+          <a:p>
+            <a:r>
+              <a:rPr lang="ko-KR" altLang="en-US" sz="1400" dirty="0"/>
+              <a:t>북(</a:t>
+            </a:r>
+            <a:r>
+              <a:rPr lang="ko-KR" altLang="en-US" sz="1400" dirty="0" err="1"/>
+              <a:t>애월,제주,조천</a:t>
+            </a:r>
+            <a:r>
+              <a:rPr lang="ko-KR" altLang="en-US" sz="1400" dirty="0"/>
+              <a:t>) , 동(</a:t>
+            </a:r>
+            <a:r>
+              <a:rPr lang="ko-KR" altLang="en-US" sz="1400" dirty="0" err="1"/>
+              <a:t>구좌,성산,표선면</a:t>
+            </a:r>
+            <a:r>
+              <a:rPr lang="ko-KR" altLang="en-US" sz="1400" dirty="0"/>
+              <a:t>) , 남(중문, 서귀포, 남원) , 서(한림, 한경, </a:t>
+            </a:r>
+            <a:r>
+              <a:rPr lang="ko-KR" altLang="en-US" sz="1400" dirty="0" err="1"/>
+              <a:t>대정읍</a:t>
+            </a:r>
+            <a:r>
+              <a:rPr lang="ko-KR" altLang="en-US" sz="1400" dirty="0"/>
+              <a:t>, </a:t>
+            </a:r>
+            <a:r>
+              <a:rPr lang="ko-KR" altLang="en-US" sz="1400" dirty="0" err="1"/>
+              <a:t>안덕면</a:t>
+            </a:r>
+            <a:r>
+              <a:rPr lang="ko-KR" altLang="en-US" sz="1400" dirty="0"/>
+              <a:t>) </a:t>
+            </a:r>
+            <a:r>
+              <a:rPr lang="en-US" altLang="ko-KR" sz="1400" dirty="0"/>
+              <a:t>+ </a:t>
+            </a:r>
+            <a:r>
+              <a:rPr lang="ko-KR" altLang="en-US" sz="1400" dirty="0"/>
+              <a:t>섬</a:t>
+            </a:r>
+          </a:p>
+        </p:txBody>
+      </p:sp>
     </p:spTree>
     <p:extLst>
       <p:ext uri="{BB962C8B-B14F-4D97-AF65-F5344CB8AC3E}">
